--- a/ppt_sample.pptx
+++ b/ppt_sample.pptx
@@ -5,13 +5,14 @@
     <p:sldMasterId id="2147483677" r:id="rId1"/>
   </p:sldMasterIdLst>
   <p:notesMasterIdLst>
-    <p:notesMasterId r:id="rId3"/>
+    <p:notesMasterId r:id="rId4"/>
   </p:notesMasterIdLst>
   <p:handoutMasterIdLst>
-    <p:handoutMasterId r:id="rId4"/>
+    <p:handoutMasterId r:id="rId5"/>
   </p:handoutMasterIdLst>
   <p:sldIdLst>
     <p:sldId id="258" r:id="rId2"/>
+    <p:sldId id="259" r:id="rId3"/>
   </p:sldIdLst>
   <p:sldSz cx="9144000" cy="6858000" type="screen4x3"/>
   <p:notesSz cx="6858000" cy="9144000"/>
@@ -4002,6 +4003,91 @@
     <p:extLst>
       <p:ext uri="{BB962C8B-B14F-4D97-AF65-F5344CB8AC3E}">
         <p14:creationId xmlns:p14="http://schemas.microsoft.com/office/powerpoint/2010/main" val="2185782283"/>
+      </p:ext>
+    </p:extLst>
+  </p:cSld>
+  <p:clrMapOvr>
+    <a:masterClrMapping/>
+  </p:clrMapOvr>
+</p:sld>
+</file>
+
+<file path=ppt/slides/slide2.xml><?xml version="1.0" encoding="utf-8"?>
+<p:sld xmlns:a="http://schemas.openxmlformats.org/drawingml/2006/main" xmlns:r="http://schemas.openxmlformats.org/officeDocument/2006/relationships" xmlns:p="http://schemas.openxmlformats.org/presentationml/2006/main">
+  <p:cSld>
+    <p:spTree>
+      <p:nvGrpSpPr>
+        <p:cNvPr id="1" name=""/>
+        <p:cNvGrpSpPr/>
+        <p:nvPr/>
+      </p:nvGrpSpPr>
+      <p:grpSpPr>
+        <a:xfrm>
+          <a:off x="0" y="0"/>
+          <a:ext cx="0" cy="0"/>
+          <a:chOff x="0" y="0"/>
+          <a:chExt cx="0" cy="0"/>
+        </a:xfrm>
+      </p:grpSpPr>
+      <p:sp>
+        <p:nvSpPr>
+          <p:cNvPr id="2" name="내용 개체 틀 1">
+            <a:extLst>
+              <a:ext uri="{FF2B5EF4-FFF2-40B4-BE49-F238E27FC236}">
+                <a16:creationId xmlns:a16="http://schemas.microsoft.com/office/drawing/2014/main" id="{96A6FE30-182E-2DAC-0300-8DF1449D8E6F}"/>
+              </a:ext>
+            </a:extLst>
+          </p:cNvPr>
+          <p:cNvSpPr>
+            <a:spLocks noGrp="1"/>
+          </p:cNvSpPr>
+          <p:nvPr>
+            <p:ph idx="1"/>
+          </p:nvPr>
+        </p:nvSpPr>
+        <p:spPr/>
+        <p:txBody>
+          <a:bodyPr/>
+          <a:lstStyle/>
+          <a:p>
+            <a:endParaRPr lang="ko-KR" altLang="en-US" dirty="0"/>
+          </a:p>
+        </p:txBody>
+      </p:sp>
+      <p:sp>
+        <p:nvSpPr>
+          <p:cNvPr id="3" name="슬라이드 번호 개체 틀 2">
+            <a:extLst>
+              <a:ext uri="{FF2B5EF4-FFF2-40B4-BE49-F238E27FC236}">
+                <a16:creationId xmlns:a16="http://schemas.microsoft.com/office/drawing/2014/main" id="{4E065CFB-2611-9512-0578-F3F703AE24FF}"/>
+              </a:ext>
+            </a:extLst>
+          </p:cNvPr>
+          <p:cNvSpPr>
+            <a:spLocks noGrp="1"/>
+          </p:cNvSpPr>
+          <p:nvPr>
+            <p:ph type="sldNum" sz="quarter" idx="12"/>
+          </p:nvPr>
+        </p:nvSpPr>
+        <p:spPr/>
+        <p:txBody>
+          <a:bodyPr/>
+          <a:lstStyle/>
+          <a:p>
+            <a:fld id="{9F84D5D5-00C2-4F3E-9AD2-47CBCE7C3888}" type="slidenum">
+              <a:rPr lang="ko-KR" altLang="en-US" smtClean="0"/>
+              <a:pPr/>
+              <a:t>2</a:t>
+            </a:fld>
+            <a:endParaRPr lang="ko-KR" altLang="en-US"/>
+          </a:p>
+        </p:txBody>
+      </p:sp>
+    </p:spTree>
+    <p:extLst>
+      <p:ext uri="{BB962C8B-B14F-4D97-AF65-F5344CB8AC3E}">
+        <p14:creationId xmlns:p14="http://schemas.microsoft.com/office/powerpoint/2010/main" val="2891631717"/>
       </p:ext>
     </p:extLst>
   </p:cSld>

--- a/ppt_sample.pptx
+++ b/ppt_sample.pptx
@@ -5,14 +5,13 @@
     <p:sldMasterId id="2147483677" r:id="rId1"/>
   </p:sldMasterIdLst>
   <p:notesMasterIdLst>
-    <p:notesMasterId r:id="rId4"/>
+    <p:notesMasterId r:id="rId3"/>
   </p:notesMasterIdLst>
   <p:handoutMasterIdLst>
-    <p:handoutMasterId r:id="rId5"/>
+    <p:handoutMasterId r:id="rId4"/>
   </p:handoutMasterIdLst>
   <p:sldIdLst>
     <p:sldId id="258" r:id="rId2"/>
-    <p:sldId id="259" r:id="rId3"/>
   </p:sldIdLst>
   <p:sldSz cx="9144000" cy="6858000" type="screen4x3"/>
   <p:notesSz cx="6858000" cy="9144000"/>
@@ -4003,91 +4002,6 @@
     <p:extLst>
       <p:ext uri="{BB962C8B-B14F-4D97-AF65-F5344CB8AC3E}">
         <p14:creationId xmlns:p14="http://schemas.microsoft.com/office/powerpoint/2010/main" val="2185782283"/>
-      </p:ext>
-    </p:extLst>
-  </p:cSld>
-  <p:clrMapOvr>
-    <a:masterClrMapping/>
-  </p:clrMapOvr>
-</p:sld>
-</file>
-
-<file path=ppt/slides/slide2.xml><?xml version="1.0" encoding="utf-8"?>
-<p:sld xmlns:a="http://schemas.openxmlformats.org/drawingml/2006/main" xmlns:r="http://schemas.openxmlformats.org/officeDocument/2006/relationships" xmlns:p="http://schemas.openxmlformats.org/presentationml/2006/main">
-  <p:cSld>
-    <p:spTree>
-      <p:nvGrpSpPr>
-        <p:cNvPr id="1" name=""/>
-        <p:cNvGrpSpPr/>
-        <p:nvPr/>
-      </p:nvGrpSpPr>
-      <p:grpSpPr>
-        <a:xfrm>
-          <a:off x="0" y="0"/>
-          <a:ext cx="0" cy="0"/>
-          <a:chOff x="0" y="0"/>
-          <a:chExt cx="0" cy="0"/>
-        </a:xfrm>
-      </p:grpSpPr>
-      <p:sp>
-        <p:nvSpPr>
-          <p:cNvPr id="2" name="내용 개체 틀 1">
-            <a:extLst>
-              <a:ext uri="{FF2B5EF4-FFF2-40B4-BE49-F238E27FC236}">
-                <a16:creationId xmlns:a16="http://schemas.microsoft.com/office/drawing/2014/main" id="{96A6FE30-182E-2DAC-0300-8DF1449D8E6F}"/>
-              </a:ext>
-            </a:extLst>
-          </p:cNvPr>
-          <p:cNvSpPr>
-            <a:spLocks noGrp="1"/>
-          </p:cNvSpPr>
-          <p:nvPr>
-            <p:ph idx="1"/>
-          </p:nvPr>
-        </p:nvSpPr>
-        <p:spPr/>
-        <p:txBody>
-          <a:bodyPr/>
-          <a:lstStyle/>
-          <a:p>
-            <a:endParaRPr lang="ko-KR" altLang="en-US" dirty="0"/>
-          </a:p>
-        </p:txBody>
-      </p:sp>
-      <p:sp>
-        <p:nvSpPr>
-          <p:cNvPr id="3" name="슬라이드 번호 개체 틀 2">
-            <a:extLst>
-              <a:ext uri="{FF2B5EF4-FFF2-40B4-BE49-F238E27FC236}">
-                <a16:creationId xmlns:a16="http://schemas.microsoft.com/office/drawing/2014/main" id="{4E065CFB-2611-9512-0578-F3F703AE24FF}"/>
-              </a:ext>
-            </a:extLst>
-          </p:cNvPr>
-          <p:cNvSpPr>
-            <a:spLocks noGrp="1"/>
-          </p:cNvSpPr>
-          <p:nvPr>
-            <p:ph type="sldNum" sz="quarter" idx="12"/>
-          </p:nvPr>
-        </p:nvSpPr>
-        <p:spPr/>
-        <p:txBody>
-          <a:bodyPr/>
-          <a:lstStyle/>
-          <a:p>
-            <a:fld id="{9F84D5D5-00C2-4F3E-9AD2-47CBCE7C3888}" type="slidenum">
-              <a:rPr lang="ko-KR" altLang="en-US" smtClean="0"/>
-              <a:pPr/>
-              <a:t>2</a:t>
-            </a:fld>
-            <a:endParaRPr lang="ko-KR" altLang="en-US"/>
-          </a:p>
-        </p:txBody>
-      </p:sp>
-    </p:spTree>
-    <p:extLst>
-      <p:ext uri="{BB962C8B-B14F-4D97-AF65-F5344CB8AC3E}">
-        <p14:creationId xmlns:p14="http://schemas.microsoft.com/office/powerpoint/2010/main" val="2891631717"/>
       </p:ext>
     </p:extLst>
   </p:cSld>

--- a/ppt_sample.pptx
+++ b/ppt_sample.pptx
@@ -3830,7 +3830,9 @@
             <a:avLst/>
           </a:prstGeom>
           <a:solidFill>
-            <a:srgbClr val="002060"/>
+            <a:schemeClr val="bg2">
+              <a:lumMod val="50000"/>
+            </a:schemeClr>
           </a:solidFill>
           <a:ln>
             <a:noFill/>
